--- a/doc/SystemDesign.pptx
+++ b/doc/SystemDesign.pptx
@@ -4,6 +4,9 @@
   <p:sldMasterIdLst>
     <p:sldMasterId id="2147483648" r:id="rId1"/>
   </p:sldMasterIdLst>
+  <p:notesMasterIdLst>
+    <p:notesMasterId r:id="rId23"/>
+  </p:notesMasterIdLst>
   <p:sldIdLst>
     <p:sldId id="261" r:id="rId2"/>
     <p:sldId id="256" r:id="rId3"/>
@@ -22,7 +25,10 @@
     <p:sldId id="272" r:id="rId16"/>
     <p:sldId id="276" r:id="rId17"/>
     <p:sldId id="274" r:id="rId18"/>
-    <p:sldId id="275" r:id="rId19"/>
+    <p:sldId id="277" r:id="rId19"/>
+    <p:sldId id="275" r:id="rId20"/>
+    <p:sldId id="278" r:id="rId21"/>
+    <p:sldId id="279" r:id="rId22"/>
   </p:sldIdLst>
   <p:sldSz cx="12192000" cy="6858000"/>
   <p:notesSz cx="6858000" cy="9144000"/>
@@ -122,11 +128,397 @@
     </a:lvl9pPr>
   </p:defaultTextStyle>
   <p:extLst>
+    <p:ext uri="{521415D9-36F7-43E2-AB2F-B90AF26B5E84}">
+      <p14:sectionLst xmlns:p14="http://schemas.microsoft.com/office/powerpoint/2010/main">
+        <p14:section name="pt1" id="{9470DEE9-49AC-40E4-A5D0-ED89D11C597C}">
+          <p14:sldIdLst>
+            <p14:sldId id="261"/>
+            <p14:sldId id="256"/>
+            <p14:sldId id="259"/>
+            <p14:sldId id="260"/>
+          </p14:sldIdLst>
+        </p14:section>
+        <p14:section name="pt2" id="{8307967F-4959-4047-BCE1-FC865F36EA60}">
+          <p14:sldIdLst>
+            <p14:sldId id="262"/>
+            <p14:sldId id="263"/>
+            <p14:sldId id="264"/>
+            <p14:sldId id="268"/>
+            <p14:sldId id="265"/>
+            <p14:sldId id="266"/>
+            <p14:sldId id="269"/>
+            <p14:sldId id="267"/>
+            <p14:sldId id="270"/>
+            <p14:sldId id="271"/>
+          </p14:sldIdLst>
+        </p14:section>
+        <p14:section name="appendix" id="{CA10E588-F04F-4D34-A34D-1A7175DFD846}">
+          <p14:sldIdLst>
+            <p14:sldId id="272"/>
+            <p14:sldId id="276"/>
+            <p14:sldId id="274"/>
+            <p14:sldId id="277"/>
+            <p14:sldId id="275"/>
+            <p14:sldId id="278"/>
+            <p14:sldId id="279"/>
+          </p14:sldIdLst>
+        </p14:section>
+      </p14:sectionLst>
+    </p:ext>
     <p:ext uri="{EFAFB233-063F-42B5-8137-9DF3F51BA10A}">
       <p15:sldGuideLst xmlns:p15="http://schemas.microsoft.com/office/powerpoint/2012/main"/>
     </p:ext>
   </p:extLst>
 </p:presentation>
+</file>
+
+<file path=ppt/notesMasters/notesMaster1.xml><?xml version="1.0" encoding="utf-8"?>
+<p:notesMaster xmlns:a="http://schemas.openxmlformats.org/drawingml/2006/main" xmlns:r="http://schemas.openxmlformats.org/officeDocument/2006/relationships" xmlns:p="http://schemas.openxmlformats.org/presentationml/2006/main">
+  <p:cSld>
+    <p:bg>
+      <p:bgRef idx="1001">
+        <a:schemeClr val="bg1"/>
+      </p:bgRef>
+    </p:bg>
+    <p:spTree>
+      <p:nvGrpSpPr>
+        <p:cNvPr id="1" name=""/>
+        <p:cNvGrpSpPr/>
+        <p:nvPr/>
+      </p:nvGrpSpPr>
+      <p:grpSpPr>
+        <a:xfrm>
+          <a:off x="0" y="0"/>
+          <a:ext cx="0" cy="0"/>
+          <a:chOff x="0" y="0"/>
+          <a:chExt cx="0" cy="0"/>
+        </a:xfrm>
+      </p:grpSpPr>
+      <p:sp>
+        <p:nvSpPr>
+          <p:cNvPr id="2" name="页眉占位符 1"/>
+          <p:cNvSpPr>
+            <a:spLocks noGrp="1"/>
+          </p:cNvSpPr>
+          <p:nvPr>
+            <p:ph type="hdr" sz="quarter"/>
+          </p:nvPr>
+        </p:nvSpPr>
+        <p:spPr>
+          <a:xfrm>
+            <a:off x="0" y="0"/>
+            <a:ext cx="2971800" cy="458788"/>
+          </a:xfrm>
+          <a:prstGeom prst="rect">
+            <a:avLst/>
+          </a:prstGeom>
+        </p:spPr>
+        <p:txBody>
+          <a:bodyPr vert="horz" lIns="91440" tIns="45720" rIns="91440" bIns="45720" rtlCol="0"/>
+          <a:lstStyle>
+            <a:lvl1pPr algn="l">
+              <a:defRPr sz="1200"/>
+            </a:lvl1pPr>
+          </a:lstStyle>
+          <a:p>
+            <a:endParaRPr lang="zh-CN" altLang="en-US"/>
+          </a:p>
+        </p:txBody>
+      </p:sp>
+      <p:sp>
+        <p:nvSpPr>
+          <p:cNvPr id="3" name="日期占位符 2"/>
+          <p:cNvSpPr>
+            <a:spLocks noGrp="1"/>
+          </p:cNvSpPr>
+          <p:nvPr>
+            <p:ph type="dt" idx="1"/>
+          </p:nvPr>
+        </p:nvSpPr>
+        <p:spPr>
+          <a:xfrm>
+            <a:off x="3884613" y="0"/>
+            <a:ext cx="2971800" cy="458788"/>
+          </a:xfrm>
+          <a:prstGeom prst="rect">
+            <a:avLst/>
+          </a:prstGeom>
+        </p:spPr>
+        <p:txBody>
+          <a:bodyPr vert="horz" lIns="91440" tIns="45720" rIns="91440" bIns="45720" rtlCol="0"/>
+          <a:lstStyle>
+            <a:lvl1pPr algn="r">
+              <a:defRPr sz="1200"/>
+            </a:lvl1pPr>
+          </a:lstStyle>
+          <a:p>
+            <a:fld id="{EE81C136-29B6-4B1D-8A91-906F720857ED}" type="datetimeFigureOut">
+              <a:rPr lang="zh-CN" altLang="en-US" smtClean="0"/>
+              <a:t>2024/8/9</a:t>
+            </a:fld>
+            <a:endParaRPr lang="zh-CN" altLang="en-US"/>
+          </a:p>
+        </p:txBody>
+      </p:sp>
+      <p:sp>
+        <p:nvSpPr>
+          <p:cNvPr id="4" name="幻灯片图像占位符 3"/>
+          <p:cNvSpPr>
+            <a:spLocks noGrp="1" noRot="1" noChangeAspect="1"/>
+          </p:cNvSpPr>
+          <p:nvPr>
+            <p:ph type="sldImg" idx="2"/>
+          </p:nvPr>
+        </p:nvSpPr>
+        <p:spPr>
+          <a:xfrm>
+            <a:off x="685800" y="1143000"/>
+            <a:ext cx="5486400" cy="3086100"/>
+          </a:xfrm>
+          <a:prstGeom prst="rect">
+            <a:avLst/>
+          </a:prstGeom>
+          <a:noFill/>
+          <a:ln w="12700">
+            <a:solidFill>
+              <a:prstClr val="black"/>
+            </a:solidFill>
+          </a:ln>
+        </p:spPr>
+        <p:txBody>
+          <a:bodyPr vert="horz" lIns="91440" tIns="45720" rIns="91440" bIns="45720" rtlCol="0" anchor="ctr"/>
+          <a:lstStyle/>
+          <a:p>
+            <a:endParaRPr lang="zh-CN" altLang="en-US"/>
+          </a:p>
+        </p:txBody>
+      </p:sp>
+      <p:sp>
+        <p:nvSpPr>
+          <p:cNvPr id="5" name="备注占位符 4"/>
+          <p:cNvSpPr>
+            <a:spLocks noGrp="1"/>
+          </p:cNvSpPr>
+          <p:nvPr>
+            <p:ph type="body" sz="quarter" idx="3"/>
+          </p:nvPr>
+        </p:nvSpPr>
+        <p:spPr>
+          <a:xfrm>
+            <a:off x="685800" y="4400550"/>
+            <a:ext cx="5486400" cy="3600450"/>
+          </a:xfrm>
+          <a:prstGeom prst="rect">
+            <a:avLst/>
+          </a:prstGeom>
+        </p:spPr>
+        <p:txBody>
+          <a:bodyPr vert="horz" lIns="91440" tIns="45720" rIns="91440" bIns="45720" rtlCol="0"/>
+          <a:lstStyle/>
+          <a:p>
+            <a:pPr lvl="0"/>
+            <a:r>
+              <a:rPr lang="zh-CN" altLang="en-US"/>
+              <a:t>单击此处编辑母版文本样式</a:t>
+            </a:r>
+          </a:p>
+          <a:p>
+            <a:pPr lvl="1"/>
+            <a:r>
+              <a:rPr lang="zh-CN" altLang="en-US"/>
+              <a:t>二级</a:t>
+            </a:r>
+          </a:p>
+          <a:p>
+            <a:pPr lvl="2"/>
+            <a:r>
+              <a:rPr lang="zh-CN" altLang="en-US"/>
+              <a:t>三级</a:t>
+            </a:r>
+          </a:p>
+          <a:p>
+            <a:pPr lvl="3"/>
+            <a:r>
+              <a:rPr lang="zh-CN" altLang="en-US"/>
+              <a:t>四级</a:t>
+            </a:r>
+          </a:p>
+          <a:p>
+            <a:pPr lvl="4"/>
+            <a:r>
+              <a:rPr lang="zh-CN" altLang="en-US"/>
+              <a:t>五级</a:t>
+            </a:r>
+          </a:p>
+        </p:txBody>
+      </p:sp>
+      <p:sp>
+        <p:nvSpPr>
+          <p:cNvPr id="6" name="页脚占位符 5"/>
+          <p:cNvSpPr>
+            <a:spLocks noGrp="1"/>
+          </p:cNvSpPr>
+          <p:nvPr>
+            <p:ph type="ftr" sz="quarter" idx="4"/>
+          </p:nvPr>
+        </p:nvSpPr>
+        <p:spPr>
+          <a:xfrm>
+            <a:off x="0" y="8685213"/>
+            <a:ext cx="2971800" cy="458787"/>
+          </a:xfrm>
+          <a:prstGeom prst="rect">
+            <a:avLst/>
+          </a:prstGeom>
+        </p:spPr>
+        <p:txBody>
+          <a:bodyPr vert="horz" lIns="91440" tIns="45720" rIns="91440" bIns="45720" rtlCol="0" anchor="b"/>
+          <a:lstStyle>
+            <a:lvl1pPr algn="l">
+              <a:defRPr sz="1200"/>
+            </a:lvl1pPr>
+          </a:lstStyle>
+          <a:p>
+            <a:endParaRPr lang="zh-CN" altLang="en-US"/>
+          </a:p>
+        </p:txBody>
+      </p:sp>
+      <p:sp>
+        <p:nvSpPr>
+          <p:cNvPr id="7" name="灯片编号占位符 6"/>
+          <p:cNvSpPr>
+            <a:spLocks noGrp="1"/>
+          </p:cNvSpPr>
+          <p:nvPr>
+            <p:ph type="sldNum" sz="quarter" idx="5"/>
+          </p:nvPr>
+        </p:nvSpPr>
+        <p:spPr>
+          <a:xfrm>
+            <a:off x="3884613" y="8685213"/>
+            <a:ext cx="2971800" cy="458787"/>
+          </a:xfrm>
+          <a:prstGeom prst="rect">
+            <a:avLst/>
+          </a:prstGeom>
+        </p:spPr>
+        <p:txBody>
+          <a:bodyPr vert="horz" lIns="91440" tIns="45720" rIns="91440" bIns="45720" rtlCol="0" anchor="b"/>
+          <a:lstStyle>
+            <a:lvl1pPr algn="r">
+              <a:defRPr sz="1200"/>
+            </a:lvl1pPr>
+          </a:lstStyle>
+          <a:p>
+            <a:fld id="{6D2DF4CD-91DA-413A-B1C3-B98598CDCE46}" type="slidenum">
+              <a:rPr lang="zh-CN" altLang="en-US" smtClean="0"/>
+              <a:t>‹#›</a:t>
+            </a:fld>
+            <a:endParaRPr lang="zh-CN" altLang="en-US"/>
+          </a:p>
+        </p:txBody>
+      </p:sp>
+    </p:spTree>
+    <p:extLst>
+      <p:ext uri="{BB962C8B-B14F-4D97-AF65-F5344CB8AC3E}">
+        <p14:creationId xmlns:p14="http://schemas.microsoft.com/office/powerpoint/2010/main" val="1960669389"/>
+      </p:ext>
+    </p:extLst>
+  </p:cSld>
+  <p:clrMap bg1="lt1" tx1="dk1" bg2="lt2" tx2="dk2" accent1="accent1" accent2="accent2" accent3="accent3" accent4="accent4" accent5="accent5" accent6="accent6" hlink="hlink" folHlink="folHlink"/>
+  <p:notesStyle>
+    <a:lvl1pPr marL="0" algn="l" defTabSz="914400" rtl="0" eaLnBrk="1" latinLnBrk="0" hangingPunct="1">
+      <a:defRPr sz="1200" kern="1200">
+        <a:solidFill>
+          <a:schemeClr val="tx1"/>
+        </a:solidFill>
+        <a:latin typeface="+mn-lt"/>
+        <a:ea typeface="+mn-ea"/>
+        <a:cs typeface="+mn-cs"/>
+      </a:defRPr>
+    </a:lvl1pPr>
+    <a:lvl2pPr marL="457200" algn="l" defTabSz="914400" rtl="0" eaLnBrk="1" latinLnBrk="0" hangingPunct="1">
+      <a:defRPr sz="1200" kern="1200">
+        <a:solidFill>
+          <a:schemeClr val="tx1"/>
+        </a:solidFill>
+        <a:latin typeface="+mn-lt"/>
+        <a:ea typeface="+mn-ea"/>
+        <a:cs typeface="+mn-cs"/>
+      </a:defRPr>
+    </a:lvl2pPr>
+    <a:lvl3pPr marL="914400" algn="l" defTabSz="914400" rtl="0" eaLnBrk="1" latinLnBrk="0" hangingPunct="1">
+      <a:defRPr sz="1200" kern="1200">
+        <a:solidFill>
+          <a:schemeClr val="tx1"/>
+        </a:solidFill>
+        <a:latin typeface="+mn-lt"/>
+        <a:ea typeface="+mn-ea"/>
+        <a:cs typeface="+mn-cs"/>
+      </a:defRPr>
+    </a:lvl3pPr>
+    <a:lvl4pPr marL="1371600" algn="l" defTabSz="914400" rtl="0" eaLnBrk="1" latinLnBrk="0" hangingPunct="1">
+      <a:defRPr sz="1200" kern="1200">
+        <a:solidFill>
+          <a:schemeClr val="tx1"/>
+        </a:solidFill>
+        <a:latin typeface="+mn-lt"/>
+        <a:ea typeface="+mn-ea"/>
+        <a:cs typeface="+mn-cs"/>
+      </a:defRPr>
+    </a:lvl4pPr>
+    <a:lvl5pPr marL="1828800" algn="l" defTabSz="914400" rtl="0" eaLnBrk="1" latinLnBrk="0" hangingPunct="1">
+      <a:defRPr sz="1200" kern="1200">
+        <a:solidFill>
+          <a:schemeClr val="tx1"/>
+        </a:solidFill>
+        <a:latin typeface="+mn-lt"/>
+        <a:ea typeface="+mn-ea"/>
+        <a:cs typeface="+mn-cs"/>
+      </a:defRPr>
+    </a:lvl5pPr>
+    <a:lvl6pPr marL="2286000" algn="l" defTabSz="914400" rtl="0" eaLnBrk="1" latinLnBrk="0" hangingPunct="1">
+      <a:defRPr sz="1200" kern="1200">
+        <a:solidFill>
+          <a:schemeClr val="tx1"/>
+        </a:solidFill>
+        <a:latin typeface="+mn-lt"/>
+        <a:ea typeface="+mn-ea"/>
+        <a:cs typeface="+mn-cs"/>
+      </a:defRPr>
+    </a:lvl6pPr>
+    <a:lvl7pPr marL="2743200" algn="l" defTabSz="914400" rtl="0" eaLnBrk="1" latinLnBrk="0" hangingPunct="1">
+      <a:defRPr sz="1200" kern="1200">
+        <a:solidFill>
+          <a:schemeClr val="tx1"/>
+        </a:solidFill>
+        <a:latin typeface="+mn-lt"/>
+        <a:ea typeface="+mn-ea"/>
+        <a:cs typeface="+mn-cs"/>
+      </a:defRPr>
+    </a:lvl7pPr>
+    <a:lvl8pPr marL="3200400" algn="l" defTabSz="914400" rtl="0" eaLnBrk="1" latinLnBrk="0" hangingPunct="1">
+      <a:defRPr sz="1200" kern="1200">
+        <a:solidFill>
+          <a:schemeClr val="tx1"/>
+        </a:solidFill>
+        <a:latin typeface="+mn-lt"/>
+        <a:ea typeface="+mn-ea"/>
+        <a:cs typeface="+mn-cs"/>
+      </a:defRPr>
+    </a:lvl8pPr>
+    <a:lvl9pPr marL="3657600" algn="l" defTabSz="914400" rtl="0" eaLnBrk="1" latinLnBrk="0" hangingPunct="1">
+      <a:defRPr sz="1200" kern="1200">
+        <a:solidFill>
+          <a:schemeClr val="tx1"/>
+        </a:solidFill>
+        <a:latin typeface="+mn-lt"/>
+        <a:ea typeface="+mn-ea"/>
+        <a:cs typeface="+mn-cs"/>
+      </a:defRPr>
+    </a:lvl9pPr>
+  </p:notesStyle>
+</p:notesMaster>
 </file>
 
 <file path=ppt/slideLayouts/slideLayout1.xml><?xml version="1.0" encoding="utf-8"?>
@@ -274,7 +666,7 @@
           <a:bodyPr/>
           <a:lstStyle/>
           <a:p>
-            <a:fld id="{504E9858-1AD7-4D60-8BBB-4EF1CE907F48}" type="datetimeFigureOut">
+            <a:fld id="{BB9C254F-0E52-44A8-8383-1C886E69EF93}" type="datetime1">
               <a:rPr lang="zh-CN" altLang="en-US" smtClean="0"/>
               <a:t>2024/8/9</a:t>
             </a:fld>
@@ -472,7 +864,7 @@
           <a:bodyPr/>
           <a:lstStyle/>
           <a:p>
-            <a:fld id="{504E9858-1AD7-4D60-8BBB-4EF1CE907F48}" type="datetimeFigureOut">
+            <a:fld id="{03905654-651F-4575-A61D-D7276586F295}" type="datetime1">
               <a:rPr lang="zh-CN" altLang="en-US" smtClean="0"/>
               <a:t>2024/8/9</a:t>
             </a:fld>
@@ -680,7 +1072,7 @@
           <a:bodyPr/>
           <a:lstStyle/>
           <a:p>
-            <a:fld id="{504E9858-1AD7-4D60-8BBB-4EF1CE907F48}" type="datetimeFigureOut">
+            <a:fld id="{A9B33851-BF04-4A32-8791-A4805E200BEC}" type="datetime1">
               <a:rPr lang="zh-CN" altLang="en-US" smtClean="0"/>
               <a:t>2024/8/9</a:t>
             </a:fld>
@@ -878,7 +1270,7 @@
           <a:bodyPr/>
           <a:lstStyle/>
           <a:p>
-            <a:fld id="{504E9858-1AD7-4D60-8BBB-4EF1CE907F48}" type="datetimeFigureOut">
+            <a:fld id="{5C8C96AF-1EDD-4E18-B83E-A3949C23EE39}" type="datetime1">
               <a:rPr lang="zh-CN" altLang="en-US" smtClean="0"/>
               <a:t>2024/8/9</a:t>
             </a:fld>
@@ -1153,7 +1545,7 @@
           <a:bodyPr/>
           <a:lstStyle/>
           <a:p>
-            <a:fld id="{504E9858-1AD7-4D60-8BBB-4EF1CE907F48}" type="datetimeFigureOut">
+            <a:fld id="{99A0DE6B-4F5E-4C07-841F-6B60A8A9C7A5}" type="datetime1">
               <a:rPr lang="zh-CN" altLang="en-US" smtClean="0"/>
               <a:t>2024/8/9</a:t>
             </a:fld>
@@ -1418,7 +1810,7 @@
           <a:bodyPr/>
           <a:lstStyle/>
           <a:p>
-            <a:fld id="{504E9858-1AD7-4D60-8BBB-4EF1CE907F48}" type="datetimeFigureOut">
+            <a:fld id="{400446C0-E516-43D1-8F94-3910A8F0D974}" type="datetime1">
               <a:rPr lang="zh-CN" altLang="en-US" smtClean="0"/>
               <a:t>2024/8/9</a:t>
             </a:fld>
@@ -1830,7 +2222,7 @@
           <a:bodyPr/>
           <a:lstStyle/>
           <a:p>
-            <a:fld id="{504E9858-1AD7-4D60-8BBB-4EF1CE907F48}" type="datetimeFigureOut">
+            <a:fld id="{A85996C7-6957-4EAD-9C6F-6634CC0CEBAF}" type="datetime1">
               <a:rPr lang="zh-CN" altLang="en-US" smtClean="0"/>
               <a:t>2024/8/9</a:t>
             </a:fld>
@@ -1971,7 +2363,7 @@
           <a:bodyPr/>
           <a:lstStyle/>
           <a:p>
-            <a:fld id="{504E9858-1AD7-4D60-8BBB-4EF1CE907F48}" type="datetimeFigureOut">
+            <a:fld id="{3C901A21-1A9C-45EB-88E1-DE1D53504116}" type="datetime1">
               <a:rPr lang="zh-CN" altLang="en-US" smtClean="0"/>
               <a:t>2024/8/9</a:t>
             </a:fld>
@@ -2084,7 +2476,7 @@
           <a:bodyPr/>
           <a:lstStyle/>
           <a:p>
-            <a:fld id="{504E9858-1AD7-4D60-8BBB-4EF1CE907F48}" type="datetimeFigureOut">
+            <a:fld id="{18FAE923-E822-4FAA-82BF-FA9D997E0C1B}" type="datetime1">
               <a:rPr lang="zh-CN" altLang="en-US" smtClean="0"/>
               <a:t>2024/8/9</a:t>
             </a:fld>
@@ -2395,7 +2787,7 @@
           <a:bodyPr/>
           <a:lstStyle/>
           <a:p>
-            <a:fld id="{504E9858-1AD7-4D60-8BBB-4EF1CE907F48}" type="datetimeFigureOut">
+            <a:fld id="{879D75EA-C08A-4018-AC5D-75C514C15B90}" type="datetime1">
               <a:rPr lang="zh-CN" altLang="en-US" smtClean="0"/>
               <a:t>2024/8/9</a:t>
             </a:fld>
@@ -2683,7 +3075,7 @@
           <a:bodyPr/>
           <a:lstStyle/>
           <a:p>
-            <a:fld id="{504E9858-1AD7-4D60-8BBB-4EF1CE907F48}" type="datetimeFigureOut">
+            <a:fld id="{2922BFED-8165-4D93-80FB-492DBCE70C9D}" type="datetime1">
               <a:rPr lang="zh-CN" altLang="en-US" smtClean="0"/>
               <a:t>2024/8/9</a:t>
             </a:fld>
@@ -2924,7 +3316,7 @@
             </a:lvl1pPr>
           </a:lstStyle>
           <a:p>
-            <a:fld id="{504E9858-1AD7-4D60-8BBB-4EF1CE907F48}" type="datetimeFigureOut">
+            <a:fld id="{EA11E788-2D02-4A8C-A88B-EE5402BB3F17}" type="datetime1">
               <a:rPr lang="zh-CN" altLang="en-US" smtClean="0"/>
               <a:t>2024/8/9</a:t>
             </a:fld>
@@ -3043,6 +3435,7 @@
     <p:sldLayoutId id="2147483658" r:id="rId10"/>
     <p:sldLayoutId id="2147483659" r:id="rId11"/>
   </p:sldLayoutIdLst>
+  <p:hf hdr="0" ftr="0" dt="0"/>
   <p:txStyles>
     <p:titleStyle>
       <a:lvl1pPr algn="l" defTabSz="914400" rtl="0" eaLnBrk="1" latinLnBrk="0" hangingPunct="1">
@@ -3405,6 +3798,35 @@
             <a:endParaRPr lang="zh-CN" altLang="en-US" sz="3200" dirty="0">
               <a:latin typeface="Century Schoolbook" panose="02040604050505020304" pitchFamily="18" charset="0"/>
             </a:endParaRPr>
+          </a:p>
+        </p:txBody>
+      </p:sp>
+      <p:sp>
+        <p:nvSpPr>
+          <p:cNvPr id="2" name="灯片编号占位符 1">
+            <a:extLst>
+              <a:ext uri="{FF2B5EF4-FFF2-40B4-BE49-F238E27FC236}">
+                <a16:creationId xmlns:a16="http://schemas.microsoft.com/office/drawing/2014/main" id="{81173375-0614-418C-B62F-2F85C0327F0C}"/>
+              </a:ext>
+            </a:extLst>
+          </p:cNvPr>
+          <p:cNvSpPr>
+            <a:spLocks noGrp="1"/>
+          </p:cNvSpPr>
+          <p:nvPr>
+            <p:ph type="sldNum" sz="quarter" idx="12"/>
+          </p:nvPr>
+        </p:nvSpPr>
+        <p:spPr/>
+        <p:txBody>
+          <a:bodyPr/>
+          <a:lstStyle/>
+          <a:p>
+            <a:fld id="{E8537974-604E-4685-945A-91A667536A94}" type="slidenum">
+              <a:rPr lang="zh-CN" altLang="en-US" smtClean="0"/>
+              <a:t>1</a:t>
+            </a:fld>
+            <a:endParaRPr lang="zh-CN" altLang="en-US"/>
           </a:p>
         </p:txBody>
       </p:sp>
@@ -4661,6 +5083,35 @@
           </a:graphicData>
         </a:graphic>
       </p:graphicFrame>
+      <p:sp>
+        <p:nvSpPr>
+          <p:cNvPr id="2" name="灯片编号占位符 1">
+            <a:extLst>
+              <a:ext uri="{FF2B5EF4-FFF2-40B4-BE49-F238E27FC236}">
+                <a16:creationId xmlns:a16="http://schemas.microsoft.com/office/drawing/2014/main" id="{3E49FCA6-0394-4541-8C05-59E8717EB6AE}"/>
+              </a:ext>
+            </a:extLst>
+          </p:cNvPr>
+          <p:cNvSpPr>
+            <a:spLocks noGrp="1"/>
+          </p:cNvSpPr>
+          <p:nvPr>
+            <p:ph type="sldNum" sz="quarter" idx="12"/>
+          </p:nvPr>
+        </p:nvSpPr>
+        <p:spPr/>
+        <p:txBody>
+          <a:bodyPr/>
+          <a:lstStyle/>
+          <a:p>
+            <a:fld id="{E8537974-604E-4685-945A-91A667536A94}" type="slidenum">
+              <a:rPr lang="zh-CN" altLang="en-US" smtClean="0"/>
+              <a:t>10</a:t>
+            </a:fld>
+            <a:endParaRPr lang="zh-CN" altLang="en-US"/>
+          </a:p>
+        </p:txBody>
+      </p:sp>
     </p:spTree>
     <p:extLst>
       <p:ext uri="{BB962C8B-B14F-4D97-AF65-F5344CB8AC3E}">
@@ -5213,6 +5664,35 @@
           </a:p>
         </p:txBody>
       </p:sp>
+      <p:sp>
+        <p:nvSpPr>
+          <p:cNvPr id="2" name="灯片编号占位符 1">
+            <a:extLst>
+              <a:ext uri="{FF2B5EF4-FFF2-40B4-BE49-F238E27FC236}">
+                <a16:creationId xmlns:a16="http://schemas.microsoft.com/office/drawing/2014/main" id="{CFB5AFF4-AD1A-42A9-923F-4C188D890755}"/>
+              </a:ext>
+            </a:extLst>
+          </p:cNvPr>
+          <p:cNvSpPr>
+            <a:spLocks noGrp="1"/>
+          </p:cNvSpPr>
+          <p:nvPr>
+            <p:ph type="sldNum" sz="quarter" idx="12"/>
+          </p:nvPr>
+        </p:nvSpPr>
+        <p:spPr/>
+        <p:txBody>
+          <a:bodyPr/>
+          <a:lstStyle/>
+          <a:p>
+            <a:fld id="{E8537974-604E-4685-945A-91A667536A94}" type="slidenum">
+              <a:rPr lang="zh-CN" altLang="en-US" smtClean="0"/>
+              <a:t>11</a:t>
+            </a:fld>
+            <a:endParaRPr lang="zh-CN" altLang="en-US"/>
+          </a:p>
+        </p:txBody>
+      </p:sp>
     </p:spTree>
     <p:extLst>
       <p:ext uri="{BB962C8B-B14F-4D97-AF65-F5344CB8AC3E}">
@@ -5979,6 +6459,35 @@
               <a:latin typeface="Century Schoolbook" panose="02040604050505020304" pitchFamily="18" charset="0"/>
               <a:ea typeface="华文中宋" panose="02010600040101010101" pitchFamily="2" charset="-122"/>
             </a:endParaRPr>
+          </a:p>
+        </p:txBody>
+      </p:sp>
+      <p:sp>
+        <p:nvSpPr>
+          <p:cNvPr id="2" name="灯片编号占位符 1">
+            <a:extLst>
+              <a:ext uri="{FF2B5EF4-FFF2-40B4-BE49-F238E27FC236}">
+                <a16:creationId xmlns:a16="http://schemas.microsoft.com/office/drawing/2014/main" id="{ADE121AF-DD9A-442C-B448-6FB2EB412A4D}"/>
+              </a:ext>
+            </a:extLst>
+          </p:cNvPr>
+          <p:cNvSpPr>
+            <a:spLocks noGrp="1"/>
+          </p:cNvSpPr>
+          <p:nvPr>
+            <p:ph type="sldNum" sz="quarter" idx="12"/>
+          </p:nvPr>
+        </p:nvSpPr>
+        <p:spPr/>
+        <p:txBody>
+          <a:bodyPr/>
+          <a:lstStyle/>
+          <a:p>
+            <a:fld id="{E8537974-604E-4685-945A-91A667536A94}" type="slidenum">
+              <a:rPr lang="zh-CN" altLang="en-US" smtClean="0"/>
+              <a:t>12</a:t>
+            </a:fld>
+            <a:endParaRPr lang="zh-CN" altLang="en-US"/>
           </a:p>
         </p:txBody>
       </p:sp>
@@ -7246,6 +7755,35 @@
           </a:graphicData>
         </a:graphic>
       </p:graphicFrame>
+      <p:sp>
+        <p:nvSpPr>
+          <p:cNvPr id="2" name="灯片编号占位符 1">
+            <a:extLst>
+              <a:ext uri="{FF2B5EF4-FFF2-40B4-BE49-F238E27FC236}">
+                <a16:creationId xmlns:a16="http://schemas.microsoft.com/office/drawing/2014/main" id="{2766A344-3FAA-43F1-941A-7C6BA0A0B606}"/>
+              </a:ext>
+            </a:extLst>
+          </p:cNvPr>
+          <p:cNvSpPr>
+            <a:spLocks noGrp="1"/>
+          </p:cNvSpPr>
+          <p:nvPr>
+            <p:ph type="sldNum" sz="quarter" idx="12"/>
+          </p:nvPr>
+        </p:nvSpPr>
+        <p:spPr/>
+        <p:txBody>
+          <a:bodyPr/>
+          <a:lstStyle/>
+          <a:p>
+            <a:fld id="{E8537974-604E-4685-945A-91A667536A94}" type="slidenum">
+              <a:rPr lang="zh-CN" altLang="en-US" smtClean="0"/>
+              <a:t>13</a:t>
+            </a:fld>
+            <a:endParaRPr lang="zh-CN" altLang="en-US"/>
+          </a:p>
+        </p:txBody>
+      </p:sp>
     </p:spTree>
     <p:extLst>
       <p:ext uri="{BB962C8B-B14F-4D97-AF65-F5344CB8AC3E}">
@@ -7960,6 +8498,35 @@
           </a:p>
         </p:txBody>
       </p:sp>
+      <p:sp>
+        <p:nvSpPr>
+          <p:cNvPr id="2" name="灯片编号占位符 1">
+            <a:extLst>
+              <a:ext uri="{FF2B5EF4-FFF2-40B4-BE49-F238E27FC236}">
+                <a16:creationId xmlns:a16="http://schemas.microsoft.com/office/drawing/2014/main" id="{D0F6FD7B-6AA1-461E-BCDD-21CA95854E80}"/>
+              </a:ext>
+            </a:extLst>
+          </p:cNvPr>
+          <p:cNvSpPr>
+            <a:spLocks noGrp="1"/>
+          </p:cNvSpPr>
+          <p:nvPr>
+            <p:ph type="sldNum" sz="quarter" idx="12"/>
+          </p:nvPr>
+        </p:nvSpPr>
+        <p:spPr/>
+        <p:txBody>
+          <a:bodyPr/>
+          <a:lstStyle/>
+          <a:p>
+            <a:fld id="{E8537974-604E-4685-945A-91A667536A94}" type="slidenum">
+              <a:rPr lang="zh-CN" altLang="en-US" smtClean="0"/>
+              <a:t>14</a:t>
+            </a:fld>
+            <a:endParaRPr lang="zh-CN" altLang="en-US"/>
+          </a:p>
+        </p:txBody>
+      </p:sp>
     </p:spTree>
     <p:extLst>
       <p:ext uri="{BB962C8B-B14F-4D97-AF65-F5344CB8AC3E}">
@@ -8031,6 +8598,35 @@
           </a:p>
         </p:txBody>
       </p:sp>
+      <p:sp>
+        <p:nvSpPr>
+          <p:cNvPr id="2" name="灯片编号占位符 1">
+            <a:extLst>
+              <a:ext uri="{FF2B5EF4-FFF2-40B4-BE49-F238E27FC236}">
+                <a16:creationId xmlns:a16="http://schemas.microsoft.com/office/drawing/2014/main" id="{7C4371A5-6283-493C-957C-CF82194246FA}"/>
+              </a:ext>
+            </a:extLst>
+          </p:cNvPr>
+          <p:cNvSpPr>
+            <a:spLocks noGrp="1"/>
+          </p:cNvSpPr>
+          <p:nvPr>
+            <p:ph type="sldNum" sz="quarter" idx="12"/>
+          </p:nvPr>
+        </p:nvSpPr>
+        <p:spPr/>
+        <p:txBody>
+          <a:bodyPr/>
+          <a:lstStyle/>
+          <a:p>
+            <a:fld id="{E8537974-604E-4685-945A-91A667536A94}" type="slidenum">
+              <a:rPr lang="zh-CN" altLang="en-US" smtClean="0"/>
+              <a:t>15</a:t>
+            </a:fld>
+            <a:endParaRPr lang="zh-CN" altLang="en-US"/>
+          </a:p>
+        </p:txBody>
+      </p:sp>
     </p:spTree>
     <p:extLst>
       <p:ext uri="{BB962C8B-B14F-4D97-AF65-F5344CB8AC3E}">
@@ -8099,6 +8695,35 @@
             <a:endParaRPr lang="zh-CN" altLang="en-US" sz="3200" dirty="0">
               <a:latin typeface="Century Schoolbook" panose="02040604050505020304" pitchFamily="18" charset="0"/>
             </a:endParaRPr>
+          </a:p>
+        </p:txBody>
+      </p:sp>
+      <p:sp>
+        <p:nvSpPr>
+          <p:cNvPr id="2" name="灯片编号占位符 1">
+            <a:extLst>
+              <a:ext uri="{FF2B5EF4-FFF2-40B4-BE49-F238E27FC236}">
+                <a16:creationId xmlns:a16="http://schemas.microsoft.com/office/drawing/2014/main" id="{F1109F31-39D8-4D4E-9AFD-25E7AD70E7F9}"/>
+              </a:ext>
+            </a:extLst>
+          </p:cNvPr>
+          <p:cNvSpPr>
+            <a:spLocks noGrp="1"/>
+          </p:cNvSpPr>
+          <p:nvPr>
+            <p:ph type="sldNum" sz="quarter" idx="12"/>
+          </p:nvPr>
+        </p:nvSpPr>
+        <p:spPr/>
+        <p:txBody>
+          <a:bodyPr/>
+          <a:lstStyle/>
+          <a:p>
+            <a:fld id="{E8537974-604E-4685-945A-91A667536A94}" type="slidenum">
+              <a:rPr lang="zh-CN" altLang="en-US" smtClean="0"/>
+              <a:t>16</a:t>
+            </a:fld>
+            <a:endParaRPr lang="zh-CN" altLang="en-US"/>
           </a:p>
         </p:txBody>
       </p:sp>
@@ -8622,6 +9247,35 @@
           </a:graphicData>
         </a:graphic>
       </p:graphicFrame>
+      <p:sp>
+        <p:nvSpPr>
+          <p:cNvPr id="3" name="灯片编号占位符 2">
+            <a:extLst>
+              <a:ext uri="{FF2B5EF4-FFF2-40B4-BE49-F238E27FC236}">
+                <a16:creationId xmlns:a16="http://schemas.microsoft.com/office/drawing/2014/main" id="{082742B2-1E35-431E-8B20-DEC272CDFBB2}"/>
+              </a:ext>
+            </a:extLst>
+          </p:cNvPr>
+          <p:cNvSpPr>
+            <a:spLocks noGrp="1"/>
+          </p:cNvSpPr>
+          <p:nvPr>
+            <p:ph type="sldNum" sz="quarter" idx="12"/>
+          </p:nvPr>
+        </p:nvSpPr>
+        <p:spPr/>
+        <p:txBody>
+          <a:bodyPr/>
+          <a:lstStyle/>
+          <a:p>
+            <a:fld id="{E8537974-604E-4685-945A-91A667536A94}" type="slidenum">
+              <a:rPr lang="zh-CN" altLang="en-US" smtClean="0"/>
+              <a:t>17</a:t>
+            </a:fld>
+            <a:endParaRPr lang="zh-CN" altLang="en-US"/>
+          </a:p>
+        </p:txBody>
+      </p:sp>
     </p:spTree>
     <p:extLst>
       <p:ext uri="{BB962C8B-B14F-4D97-AF65-F5344CB8AC3E}">
@@ -8654,6 +9308,106 @@
       </p:grpSpPr>
       <p:sp>
         <p:nvSpPr>
+          <p:cNvPr id="4" name="文本框 3">
+            <a:extLst>
+              <a:ext uri="{FF2B5EF4-FFF2-40B4-BE49-F238E27FC236}">
+                <a16:creationId xmlns:a16="http://schemas.microsoft.com/office/drawing/2014/main" id="{62B8748E-F0BB-4284-A708-E0CC373959BE}"/>
+              </a:ext>
+            </a:extLst>
+          </p:cNvPr>
+          <p:cNvSpPr txBox="1"/>
+          <p:nvPr/>
+        </p:nvSpPr>
+        <p:spPr>
+          <a:xfrm>
+            <a:off x="2306240" y="2844225"/>
+            <a:ext cx="7579519" cy="584775"/>
+          </a:xfrm>
+          <a:prstGeom prst="rect">
+            <a:avLst/>
+          </a:prstGeom>
+          <a:noFill/>
+        </p:spPr>
+        <p:txBody>
+          <a:bodyPr wrap="square" rtlCol="0">
+            <a:spAutoFit/>
+          </a:bodyPr>
+          <a:lstStyle/>
+          <a:p>
+            <a:pPr algn="ctr"/>
+            <a:r>
+              <a:rPr lang="en-US" altLang="zh-CN" sz="3200" dirty="0">
+                <a:latin typeface="Century Schoolbook" panose="02040604050505020304" pitchFamily="18" charset="0"/>
+              </a:rPr>
+              <a:t>A.2 Technical Documentations</a:t>
+            </a:r>
+            <a:endParaRPr lang="zh-CN" altLang="en-US" sz="3200" dirty="0">
+              <a:latin typeface="Century Schoolbook" panose="02040604050505020304" pitchFamily="18" charset="0"/>
+            </a:endParaRPr>
+          </a:p>
+        </p:txBody>
+      </p:sp>
+      <p:sp>
+        <p:nvSpPr>
+          <p:cNvPr id="2" name="灯片编号占位符 1">
+            <a:extLst>
+              <a:ext uri="{FF2B5EF4-FFF2-40B4-BE49-F238E27FC236}">
+                <a16:creationId xmlns:a16="http://schemas.microsoft.com/office/drawing/2014/main" id="{1B240AC9-0361-4CC1-9254-C99C03B263F1}"/>
+              </a:ext>
+            </a:extLst>
+          </p:cNvPr>
+          <p:cNvSpPr>
+            <a:spLocks noGrp="1"/>
+          </p:cNvSpPr>
+          <p:nvPr>
+            <p:ph type="sldNum" sz="quarter" idx="12"/>
+          </p:nvPr>
+        </p:nvSpPr>
+        <p:spPr/>
+        <p:txBody>
+          <a:bodyPr/>
+          <a:lstStyle/>
+          <a:p>
+            <a:fld id="{E8537974-604E-4685-945A-91A667536A94}" type="slidenum">
+              <a:rPr lang="zh-CN" altLang="en-US" smtClean="0"/>
+              <a:t>18</a:t>
+            </a:fld>
+            <a:endParaRPr lang="zh-CN" altLang="en-US"/>
+          </a:p>
+        </p:txBody>
+      </p:sp>
+    </p:spTree>
+    <p:extLst>
+      <p:ext uri="{BB962C8B-B14F-4D97-AF65-F5344CB8AC3E}">
+        <p14:creationId xmlns:p14="http://schemas.microsoft.com/office/powerpoint/2010/main" val="3582167044"/>
+      </p:ext>
+    </p:extLst>
+  </p:cSld>
+  <p:clrMapOvr>
+    <a:masterClrMapping/>
+  </p:clrMapOvr>
+</p:sld>
+</file>
+
+<file path=ppt/slides/slide19.xml><?xml version="1.0" encoding="utf-8"?>
+<p:sld xmlns:a="http://schemas.openxmlformats.org/drawingml/2006/main" xmlns:r="http://schemas.openxmlformats.org/officeDocument/2006/relationships" xmlns:p="http://schemas.openxmlformats.org/presentationml/2006/main">
+  <p:cSld>
+    <p:spTree>
+      <p:nvGrpSpPr>
+        <p:cNvPr id="1" name=""/>
+        <p:cNvGrpSpPr/>
+        <p:nvPr/>
+      </p:nvGrpSpPr>
+      <p:grpSpPr>
+        <a:xfrm>
+          <a:off x="0" y="0"/>
+          <a:ext cx="0" cy="0"/>
+          <a:chOff x="0" y="0"/>
+          <a:chExt cx="0" cy="0"/>
+        </a:xfrm>
+      </p:grpSpPr>
+      <p:sp>
+        <p:nvSpPr>
           <p:cNvPr id="16" name="文本框 15">
             <a:extLst>
               <a:ext uri="{FF2B5EF4-FFF2-40B4-BE49-F238E27FC236}">
@@ -8685,7 +9439,7 @@
                 <a:latin typeface="Century Schoolbook" panose="02040604050505020304" pitchFamily="18" charset="0"/>
                 <a:ea typeface="华文中宋" panose="02010600040101010101" pitchFamily="2" charset="-122"/>
               </a:rPr>
-              <a:t>  A.2 Electronic Components</a:t>
+              <a:t>  A.2.1 DC Motor</a:t>
             </a:r>
             <a:endParaRPr lang="zh-CN" altLang="en-US" sz="2400" dirty="0">
               <a:latin typeface="Century Schoolbook" panose="02040604050505020304" pitchFamily="18" charset="0"/>
@@ -8696,10 +9450,10 @@
       </p:sp>
       <p:sp>
         <p:nvSpPr>
-          <p:cNvPr id="4" name="文本框 3">
-            <a:extLst>
-              <a:ext uri="{FF2B5EF4-FFF2-40B4-BE49-F238E27FC236}">
-                <a16:creationId xmlns:a16="http://schemas.microsoft.com/office/drawing/2014/main" id="{DECFCB3E-B0BD-49F9-ACA6-566519421801}"/>
+          <p:cNvPr id="2" name="文本框 1">
+            <a:extLst>
+              <a:ext uri="{FF2B5EF4-FFF2-40B4-BE49-F238E27FC236}">
+                <a16:creationId xmlns:a16="http://schemas.microsoft.com/office/drawing/2014/main" id="{A4BDA805-996A-4B5F-9622-0499494F176E}"/>
               </a:ext>
             </a:extLst>
           </p:cNvPr>
@@ -8708,8 +9462,8 @@
         </p:nvSpPr>
         <p:spPr>
           <a:xfrm>
-            <a:off x="1085850" y="864394"/>
-            <a:ext cx="9779794" cy="369332"/>
+            <a:off x="520344" y="877923"/>
+            <a:ext cx="5397456" cy="1754326"/>
           </a:xfrm>
           <a:prstGeom prst="rect">
             <a:avLst/>
@@ -8723,10 +9477,219 @@
           <a:lstStyle/>
           <a:p>
             <a:r>
-              <a:rPr lang="en-US" altLang="zh-CN" dirty="0"/>
-              <a:t>Motor</a:t>
-            </a:r>
-            <a:endParaRPr lang="zh-CN" altLang="en-US" dirty="0"/>
+              <a:rPr lang="zh-CN" altLang="en-US" dirty="0">
+                <a:latin typeface="Century Schoolbook" panose="02040604050505020304" pitchFamily="18" charset="0"/>
+                <a:ea typeface="华文中宋" panose="02010600040101010101" pitchFamily="2" charset="-122"/>
+              </a:rPr>
+              <a:t>型号：</a:t>
+            </a:r>
+            <a:r>
+              <a:rPr lang="en-US" altLang="zh-CN" b="0" i="0" dirty="0">
+                <a:solidFill>
+                  <a:srgbClr val="11192D"/>
+                </a:solidFill>
+                <a:effectLst/>
+                <a:latin typeface="Century Schoolbook" panose="02040604050505020304" pitchFamily="18" charset="0"/>
+                <a:ea typeface="华文中宋" panose="02010600040101010101" pitchFamily="2" charset="-122"/>
+              </a:rPr>
+              <a:t>CHR-GM25-370</a:t>
+            </a:r>
+          </a:p>
+          <a:p>
+            <a:r>
+              <a:rPr lang="zh-CN" altLang="en-US" dirty="0">
+                <a:latin typeface="Century Schoolbook" panose="02040604050505020304" pitchFamily="18" charset="0"/>
+                <a:ea typeface="华文中宋" panose="02010600040101010101" pitchFamily="2" charset="-122"/>
+              </a:rPr>
+              <a:t>电压：</a:t>
+            </a:r>
+            <a:r>
+              <a:rPr lang="en-US" altLang="zh-CN" dirty="0">
+                <a:latin typeface="Century Schoolbook" panose="02040604050505020304" pitchFamily="18" charset="0"/>
+                <a:ea typeface="华文中宋" panose="02010600040101010101" pitchFamily="2" charset="-122"/>
+              </a:rPr>
+              <a:t>12V</a:t>
+            </a:r>
+          </a:p>
+          <a:p>
+            <a:r>
+              <a:rPr lang="zh-CN" altLang="en-US" dirty="0">
+                <a:latin typeface="Century Schoolbook" panose="02040604050505020304" pitchFamily="18" charset="0"/>
+                <a:ea typeface="华文中宋" panose="02010600040101010101" pitchFamily="2" charset="-122"/>
+              </a:rPr>
+              <a:t>减速比：</a:t>
+            </a:r>
+            <a:r>
+              <a:rPr lang="en-US" altLang="zh-CN" dirty="0">
+                <a:latin typeface="Century Schoolbook" panose="02040604050505020304" pitchFamily="18" charset="0"/>
+                <a:ea typeface="华文中宋" panose="02010600040101010101" pitchFamily="2" charset="-122"/>
+              </a:rPr>
+              <a:t>1</a:t>
+            </a:r>
+            <a:r>
+              <a:rPr lang="zh-CN" altLang="en-US" dirty="0">
+                <a:latin typeface="Century Schoolbook" panose="02040604050505020304" pitchFamily="18" charset="0"/>
+                <a:ea typeface="华文中宋" panose="02010600040101010101" pitchFamily="2" charset="-122"/>
+              </a:rPr>
+              <a:t>：</a:t>
+            </a:r>
+            <a:r>
+              <a:rPr lang="en-US" altLang="zh-CN" dirty="0">
+                <a:latin typeface="Century Schoolbook" panose="02040604050505020304" pitchFamily="18" charset="0"/>
+                <a:ea typeface="华文中宋" panose="02010600040101010101" pitchFamily="2" charset="-122"/>
+              </a:rPr>
+              <a:t>34 </a:t>
+            </a:r>
+            <a:r>
+              <a:rPr lang="zh-CN" altLang="en-US" dirty="0">
+                <a:latin typeface="Century Schoolbook" panose="02040604050505020304" pitchFamily="18" charset="0"/>
+                <a:ea typeface="华文中宋" panose="02010600040101010101" pitchFamily="2" charset="-122"/>
+              </a:rPr>
+              <a:t>（</a:t>
+            </a:r>
+            <a:r>
+              <a:rPr lang="en-US" altLang="zh-CN" dirty="0">
+                <a:latin typeface="Century Schoolbook" panose="02040604050505020304" pitchFamily="18" charset="0"/>
+                <a:ea typeface="华文中宋" panose="02010600040101010101" pitchFamily="2" charset="-122"/>
+              </a:rPr>
+              <a:t>350</a:t>
+            </a:r>
+            <a:r>
+              <a:rPr lang="zh-CN" altLang="en-US" dirty="0">
+                <a:latin typeface="Century Schoolbook" panose="02040604050505020304" pitchFamily="18" charset="0"/>
+                <a:ea typeface="华文中宋" panose="02010600040101010101" pitchFamily="2" charset="-122"/>
+              </a:rPr>
+              <a:t>转）</a:t>
+            </a:r>
+            <a:endParaRPr lang="en-US" altLang="zh-CN" dirty="0">
+              <a:latin typeface="Century Schoolbook" panose="02040604050505020304" pitchFamily="18" charset="0"/>
+              <a:ea typeface="华文中宋" panose="02010600040101010101" pitchFamily="2" charset="-122"/>
+            </a:endParaRPr>
+          </a:p>
+          <a:p>
+            <a:r>
+              <a:rPr lang="zh-CN" altLang="en-US" dirty="0">
+                <a:latin typeface="Century Schoolbook" panose="02040604050505020304" pitchFamily="18" charset="0"/>
+                <a:ea typeface="华文中宋" panose="02010600040101010101" pitchFamily="2" charset="-122"/>
+              </a:rPr>
+              <a:t>质量：≈</a:t>
+            </a:r>
+            <a:r>
+              <a:rPr lang="en-US" altLang="zh-CN" dirty="0">
+                <a:latin typeface="Century Schoolbook" panose="02040604050505020304" pitchFamily="18" charset="0"/>
+                <a:ea typeface="华文中宋" panose="02010600040101010101" pitchFamily="2" charset="-122"/>
+              </a:rPr>
+              <a:t>100g</a:t>
+            </a:r>
+          </a:p>
+          <a:p>
+            <a:endParaRPr lang="en-US" altLang="zh-CN" dirty="0">
+              <a:latin typeface="Century Schoolbook" panose="02040604050505020304" pitchFamily="18" charset="0"/>
+              <a:ea typeface="华文中宋" panose="02010600040101010101" pitchFamily="2" charset="-122"/>
+            </a:endParaRPr>
+          </a:p>
+          <a:p>
+            <a:r>
+              <a:rPr lang="zh-CN" altLang="en-US" dirty="0">
+                <a:latin typeface="Century Schoolbook" panose="02040604050505020304" pitchFamily="18" charset="0"/>
+                <a:ea typeface="华文中宋" panose="02010600040101010101" pitchFamily="2" charset="-122"/>
+                <a:hlinkClick r:id="rId2"/>
+              </a:rPr>
+              <a:t>淘宝链接</a:t>
+            </a:r>
+            <a:endParaRPr lang="en-US" altLang="zh-CN" dirty="0">
+              <a:latin typeface="Century Schoolbook" panose="02040604050505020304" pitchFamily="18" charset="0"/>
+              <a:ea typeface="华文中宋" panose="02010600040101010101" pitchFamily="2" charset="-122"/>
+            </a:endParaRPr>
+          </a:p>
+        </p:txBody>
+      </p:sp>
+      <p:pic>
+        <p:nvPicPr>
+          <p:cNvPr id="3" name="图片 2">
+            <a:extLst>
+              <a:ext uri="{FF2B5EF4-FFF2-40B4-BE49-F238E27FC236}">
+                <a16:creationId xmlns:a16="http://schemas.microsoft.com/office/drawing/2014/main" id="{70A4573E-6CCC-43CF-8FCA-026B5196BD90}"/>
+              </a:ext>
+            </a:extLst>
+          </p:cNvPr>
+          <p:cNvPicPr>
+            <a:picLocks noChangeAspect="1"/>
+          </p:cNvPicPr>
+          <p:nvPr/>
+        </p:nvPicPr>
+        <p:blipFill>
+          <a:blip r:embed="rId3"/>
+          <a:stretch>
+            <a:fillRect/>
+          </a:stretch>
+        </p:blipFill>
+        <p:spPr>
+          <a:xfrm>
+            <a:off x="520344" y="3429000"/>
+            <a:ext cx="5791498" cy="3054507"/>
+          </a:xfrm>
+          <a:prstGeom prst="rect">
+            <a:avLst/>
+          </a:prstGeom>
+        </p:spPr>
+      </p:pic>
+      <p:pic>
+        <p:nvPicPr>
+          <p:cNvPr id="6" name="图片 5">
+            <a:extLst>
+              <a:ext uri="{FF2B5EF4-FFF2-40B4-BE49-F238E27FC236}">
+                <a16:creationId xmlns:a16="http://schemas.microsoft.com/office/drawing/2014/main" id="{3F5033DB-ECEA-499F-8F9E-76033FB05471}"/>
+              </a:ext>
+            </a:extLst>
+          </p:cNvPr>
+          <p:cNvPicPr>
+            <a:picLocks noChangeAspect="1"/>
+          </p:cNvPicPr>
+          <p:nvPr/>
+        </p:nvPicPr>
+        <p:blipFill>
+          <a:blip r:embed="rId4"/>
+          <a:stretch>
+            <a:fillRect/>
+          </a:stretch>
+        </p:blipFill>
+        <p:spPr>
+          <a:xfrm>
+            <a:off x="6311842" y="461665"/>
+            <a:ext cx="5383048" cy="4341168"/>
+          </a:xfrm>
+          <a:prstGeom prst="rect">
+            <a:avLst/>
+          </a:prstGeom>
+        </p:spPr>
+      </p:pic>
+      <p:sp>
+        <p:nvSpPr>
+          <p:cNvPr id="7" name="灯片编号占位符 6">
+            <a:extLst>
+              <a:ext uri="{FF2B5EF4-FFF2-40B4-BE49-F238E27FC236}">
+                <a16:creationId xmlns:a16="http://schemas.microsoft.com/office/drawing/2014/main" id="{F3F52E89-11DD-4241-9996-387E469F3D61}"/>
+              </a:ext>
+            </a:extLst>
+          </p:cNvPr>
+          <p:cNvSpPr>
+            <a:spLocks noGrp="1"/>
+          </p:cNvSpPr>
+          <p:nvPr>
+            <p:ph type="sldNum" sz="quarter" idx="12"/>
+          </p:nvPr>
+        </p:nvSpPr>
+        <p:spPr/>
+        <p:txBody>
+          <a:bodyPr/>
+          <a:lstStyle/>
+          <a:p>
+            <a:fld id="{E8537974-604E-4685-945A-91A667536A94}" type="slidenum">
+              <a:rPr lang="zh-CN" altLang="en-US" smtClean="0"/>
+              <a:t>19</a:t>
+            </a:fld>
+            <a:endParaRPr lang="zh-CN" altLang="en-US"/>
           </a:p>
         </p:txBody>
       </p:sp>
@@ -9547,10 +10510,391 @@
           </a:fontRef>
         </p:style>
       </p:cxnSp>
+      <p:sp>
+        <p:nvSpPr>
+          <p:cNvPr id="2" name="灯片编号占位符 1">
+            <a:extLst>
+              <a:ext uri="{FF2B5EF4-FFF2-40B4-BE49-F238E27FC236}">
+                <a16:creationId xmlns:a16="http://schemas.microsoft.com/office/drawing/2014/main" id="{169B85D8-DCA4-4CAD-9D97-ECDF8BC1D1B2}"/>
+              </a:ext>
+            </a:extLst>
+          </p:cNvPr>
+          <p:cNvSpPr>
+            <a:spLocks noGrp="1"/>
+          </p:cNvSpPr>
+          <p:nvPr>
+            <p:ph type="sldNum" sz="quarter" idx="12"/>
+          </p:nvPr>
+        </p:nvSpPr>
+        <p:spPr/>
+        <p:txBody>
+          <a:bodyPr/>
+          <a:lstStyle/>
+          <a:p>
+            <a:fld id="{E8537974-604E-4685-945A-91A667536A94}" type="slidenum">
+              <a:rPr lang="zh-CN" altLang="en-US" smtClean="0"/>
+              <a:t>2</a:t>
+            </a:fld>
+            <a:endParaRPr lang="zh-CN" altLang="en-US"/>
+          </a:p>
+        </p:txBody>
+      </p:sp>
     </p:spTree>
     <p:extLst>
       <p:ext uri="{BB962C8B-B14F-4D97-AF65-F5344CB8AC3E}">
         <p14:creationId xmlns:p14="http://schemas.microsoft.com/office/powerpoint/2010/main" val="1079313030"/>
+      </p:ext>
+    </p:extLst>
+  </p:cSld>
+  <p:clrMapOvr>
+    <a:masterClrMapping/>
+  </p:clrMapOvr>
+</p:sld>
+</file>
+
+<file path=ppt/slides/slide20.xml><?xml version="1.0" encoding="utf-8"?>
+<p:sld xmlns:a="http://schemas.openxmlformats.org/drawingml/2006/main" xmlns:r="http://schemas.openxmlformats.org/officeDocument/2006/relationships" xmlns:p="http://schemas.openxmlformats.org/presentationml/2006/main">
+  <p:cSld>
+    <p:spTree>
+      <p:nvGrpSpPr>
+        <p:cNvPr id="1" name=""/>
+        <p:cNvGrpSpPr/>
+        <p:nvPr/>
+      </p:nvGrpSpPr>
+      <p:grpSpPr>
+        <a:xfrm>
+          <a:off x="0" y="0"/>
+          <a:ext cx="0" cy="0"/>
+          <a:chOff x="0" y="0"/>
+          <a:chExt cx="0" cy="0"/>
+        </a:xfrm>
+      </p:grpSpPr>
+      <p:sp>
+        <p:nvSpPr>
+          <p:cNvPr id="16" name="文本框 15">
+            <a:extLst>
+              <a:ext uri="{FF2B5EF4-FFF2-40B4-BE49-F238E27FC236}">
+                <a16:creationId xmlns:a16="http://schemas.microsoft.com/office/drawing/2014/main" id="{431DAC23-10CD-486E-B0F0-AD83416EC35C}"/>
+              </a:ext>
+            </a:extLst>
+          </p:cNvPr>
+          <p:cNvSpPr txBox="1"/>
+          <p:nvPr/>
+        </p:nvSpPr>
+        <p:spPr>
+          <a:xfrm>
+            <a:off x="0" y="0"/>
+            <a:ext cx="7579519" cy="461665"/>
+          </a:xfrm>
+          <a:prstGeom prst="rect">
+            <a:avLst/>
+          </a:prstGeom>
+          <a:noFill/>
+        </p:spPr>
+        <p:txBody>
+          <a:bodyPr wrap="square" rtlCol="0">
+            <a:spAutoFit/>
+          </a:bodyPr>
+          <a:lstStyle/>
+          <a:p>
+            <a:r>
+              <a:rPr lang="en-US" altLang="zh-CN" sz="2400" dirty="0">
+                <a:latin typeface="Century Schoolbook" panose="02040604050505020304" pitchFamily="18" charset="0"/>
+                <a:ea typeface="华文中宋" panose="02010600040101010101" pitchFamily="2" charset="-122"/>
+              </a:rPr>
+              <a:t>  A.2.1 DC Motor</a:t>
+            </a:r>
+            <a:endParaRPr lang="zh-CN" altLang="en-US" sz="2400" dirty="0">
+              <a:latin typeface="Century Schoolbook" panose="02040604050505020304" pitchFamily="18" charset="0"/>
+              <a:ea typeface="华文中宋" panose="02010600040101010101" pitchFamily="2" charset="-122"/>
+            </a:endParaRPr>
+          </a:p>
+        </p:txBody>
+      </p:sp>
+      <p:pic>
+        <p:nvPicPr>
+          <p:cNvPr id="5" name="图片 4">
+            <a:extLst>
+              <a:ext uri="{FF2B5EF4-FFF2-40B4-BE49-F238E27FC236}">
+                <a16:creationId xmlns:a16="http://schemas.microsoft.com/office/drawing/2014/main" id="{C07CCE0B-7DF2-41B7-A71C-87CFEE46999E}"/>
+              </a:ext>
+            </a:extLst>
+          </p:cNvPr>
+          <p:cNvPicPr>
+            <a:picLocks noChangeAspect="1"/>
+          </p:cNvPicPr>
+          <p:nvPr/>
+        </p:nvPicPr>
+        <p:blipFill>
+          <a:blip r:embed="rId2"/>
+          <a:stretch>
+            <a:fillRect/>
+          </a:stretch>
+        </p:blipFill>
+        <p:spPr>
+          <a:xfrm>
+            <a:off x="6314584" y="503775"/>
+            <a:ext cx="5567733" cy="6166978"/>
+          </a:xfrm>
+          <a:prstGeom prst="rect">
+            <a:avLst/>
+          </a:prstGeom>
+        </p:spPr>
+      </p:pic>
+      <p:pic>
+        <p:nvPicPr>
+          <p:cNvPr id="4" name="图片 3">
+            <a:extLst>
+              <a:ext uri="{FF2B5EF4-FFF2-40B4-BE49-F238E27FC236}">
+                <a16:creationId xmlns:a16="http://schemas.microsoft.com/office/drawing/2014/main" id="{6DFC676A-A4E7-4E8A-B813-97833C1CF776}"/>
+              </a:ext>
+            </a:extLst>
+          </p:cNvPr>
+          <p:cNvPicPr>
+            <a:picLocks noChangeAspect="1"/>
+          </p:cNvPicPr>
+          <p:nvPr/>
+        </p:nvPicPr>
+        <p:blipFill>
+          <a:blip r:embed="rId3"/>
+          <a:stretch>
+            <a:fillRect/>
+          </a:stretch>
+        </p:blipFill>
+        <p:spPr>
+          <a:xfrm>
+            <a:off x="309683" y="503775"/>
+            <a:ext cx="5679161" cy="6166978"/>
+          </a:xfrm>
+          <a:prstGeom prst="rect">
+            <a:avLst/>
+          </a:prstGeom>
+        </p:spPr>
+      </p:pic>
+      <p:sp>
+        <p:nvSpPr>
+          <p:cNvPr id="6" name="灯片编号占位符 5">
+            <a:extLst>
+              <a:ext uri="{FF2B5EF4-FFF2-40B4-BE49-F238E27FC236}">
+                <a16:creationId xmlns:a16="http://schemas.microsoft.com/office/drawing/2014/main" id="{50AD8EDF-B02C-4317-A0E6-BA20A9BB9A74}"/>
+              </a:ext>
+            </a:extLst>
+          </p:cNvPr>
+          <p:cNvSpPr>
+            <a:spLocks noGrp="1"/>
+          </p:cNvSpPr>
+          <p:nvPr>
+            <p:ph type="sldNum" sz="quarter" idx="12"/>
+          </p:nvPr>
+        </p:nvSpPr>
+        <p:spPr/>
+        <p:txBody>
+          <a:bodyPr/>
+          <a:lstStyle/>
+          <a:p>
+            <a:fld id="{E8537974-604E-4685-945A-91A667536A94}" type="slidenum">
+              <a:rPr lang="zh-CN" altLang="en-US" smtClean="0"/>
+              <a:t>20</a:t>
+            </a:fld>
+            <a:endParaRPr lang="zh-CN" altLang="en-US"/>
+          </a:p>
+        </p:txBody>
+      </p:sp>
+    </p:spTree>
+    <p:extLst>
+      <p:ext uri="{BB962C8B-B14F-4D97-AF65-F5344CB8AC3E}">
+        <p14:creationId xmlns:p14="http://schemas.microsoft.com/office/powerpoint/2010/main" val="1188072208"/>
+      </p:ext>
+    </p:extLst>
+  </p:cSld>
+  <p:clrMapOvr>
+    <a:masterClrMapping/>
+  </p:clrMapOvr>
+</p:sld>
+</file>
+
+<file path=ppt/slides/slide21.xml><?xml version="1.0" encoding="utf-8"?>
+<p:sld xmlns:a="http://schemas.openxmlformats.org/drawingml/2006/main" xmlns:r="http://schemas.openxmlformats.org/officeDocument/2006/relationships" xmlns:p="http://schemas.openxmlformats.org/presentationml/2006/main">
+  <p:cSld>
+    <p:spTree>
+      <p:nvGrpSpPr>
+        <p:cNvPr id="1" name=""/>
+        <p:cNvGrpSpPr/>
+        <p:nvPr/>
+      </p:nvGrpSpPr>
+      <p:grpSpPr>
+        <a:xfrm>
+          <a:off x="0" y="0"/>
+          <a:ext cx="0" cy="0"/>
+          <a:chOff x="0" y="0"/>
+          <a:chExt cx="0" cy="0"/>
+        </a:xfrm>
+      </p:grpSpPr>
+      <p:sp>
+        <p:nvSpPr>
+          <p:cNvPr id="16" name="文本框 15">
+            <a:extLst>
+              <a:ext uri="{FF2B5EF4-FFF2-40B4-BE49-F238E27FC236}">
+                <a16:creationId xmlns:a16="http://schemas.microsoft.com/office/drawing/2014/main" id="{431DAC23-10CD-486E-B0F0-AD83416EC35C}"/>
+              </a:ext>
+            </a:extLst>
+          </p:cNvPr>
+          <p:cNvSpPr txBox="1"/>
+          <p:nvPr/>
+        </p:nvSpPr>
+        <p:spPr>
+          <a:xfrm>
+            <a:off x="0" y="0"/>
+            <a:ext cx="7579519" cy="461665"/>
+          </a:xfrm>
+          <a:prstGeom prst="rect">
+            <a:avLst/>
+          </a:prstGeom>
+          <a:noFill/>
+        </p:spPr>
+        <p:txBody>
+          <a:bodyPr wrap="square" rtlCol="0">
+            <a:spAutoFit/>
+          </a:bodyPr>
+          <a:lstStyle/>
+          <a:p>
+            <a:r>
+              <a:rPr lang="en-US" altLang="zh-CN" sz="2400" dirty="0">
+                <a:latin typeface="Century Schoolbook" panose="02040604050505020304" pitchFamily="18" charset="0"/>
+                <a:ea typeface="华文中宋" panose="02010600040101010101" pitchFamily="2" charset="-122"/>
+              </a:rPr>
+              <a:t>  A.2.1 DC Motor</a:t>
+            </a:r>
+            <a:endParaRPr lang="zh-CN" altLang="en-US" sz="2400" dirty="0">
+              <a:latin typeface="Century Schoolbook" panose="02040604050505020304" pitchFamily="18" charset="0"/>
+              <a:ea typeface="华文中宋" panose="02010600040101010101" pitchFamily="2" charset="-122"/>
+            </a:endParaRPr>
+          </a:p>
+        </p:txBody>
+      </p:sp>
+      <p:sp>
+        <p:nvSpPr>
+          <p:cNvPr id="6" name="灯片编号占位符 5">
+            <a:extLst>
+              <a:ext uri="{FF2B5EF4-FFF2-40B4-BE49-F238E27FC236}">
+                <a16:creationId xmlns:a16="http://schemas.microsoft.com/office/drawing/2014/main" id="{50AD8EDF-B02C-4317-A0E6-BA20A9BB9A74}"/>
+              </a:ext>
+            </a:extLst>
+          </p:cNvPr>
+          <p:cNvSpPr>
+            <a:spLocks noGrp="1"/>
+          </p:cNvSpPr>
+          <p:nvPr>
+            <p:ph type="sldNum" sz="quarter" idx="12"/>
+          </p:nvPr>
+        </p:nvSpPr>
+        <p:spPr/>
+        <p:txBody>
+          <a:bodyPr/>
+          <a:lstStyle/>
+          <a:p>
+            <a:fld id="{E8537974-604E-4685-945A-91A667536A94}" type="slidenum">
+              <a:rPr lang="zh-CN" altLang="en-US" smtClean="0"/>
+              <a:t>21</a:t>
+            </a:fld>
+            <a:endParaRPr lang="zh-CN" altLang="en-US"/>
+          </a:p>
+        </p:txBody>
+      </p:sp>
+      <p:pic>
+        <p:nvPicPr>
+          <p:cNvPr id="2" name="图片 1">
+            <a:extLst>
+              <a:ext uri="{FF2B5EF4-FFF2-40B4-BE49-F238E27FC236}">
+                <a16:creationId xmlns:a16="http://schemas.microsoft.com/office/drawing/2014/main" id="{CF341460-A325-443D-AE7D-695B702A059F}"/>
+              </a:ext>
+            </a:extLst>
+          </p:cNvPr>
+          <p:cNvPicPr>
+            <a:picLocks noChangeAspect="1"/>
+          </p:cNvPicPr>
+          <p:nvPr/>
+        </p:nvPicPr>
+        <p:blipFill>
+          <a:blip r:embed="rId2"/>
+          <a:stretch>
+            <a:fillRect/>
+          </a:stretch>
+        </p:blipFill>
+        <p:spPr>
+          <a:xfrm>
+            <a:off x="6236981" y="377668"/>
+            <a:ext cx="5950256" cy="6102664"/>
+          </a:xfrm>
+          <a:prstGeom prst="rect">
+            <a:avLst/>
+          </a:prstGeom>
+        </p:spPr>
+      </p:pic>
+      <p:pic>
+        <p:nvPicPr>
+          <p:cNvPr id="3" name="图片 2">
+            <a:extLst>
+              <a:ext uri="{FF2B5EF4-FFF2-40B4-BE49-F238E27FC236}">
+                <a16:creationId xmlns:a16="http://schemas.microsoft.com/office/drawing/2014/main" id="{05C5A2E7-8B30-44D3-8EB9-B78204041AD8}"/>
+              </a:ext>
+            </a:extLst>
+          </p:cNvPr>
+          <p:cNvPicPr>
+            <a:picLocks noChangeAspect="1"/>
+          </p:cNvPicPr>
+          <p:nvPr/>
+        </p:nvPicPr>
+        <p:blipFill>
+          <a:blip r:embed="rId3"/>
+          <a:stretch>
+            <a:fillRect/>
+          </a:stretch>
+        </p:blipFill>
+        <p:spPr>
+          <a:xfrm>
+            <a:off x="3028949" y="0"/>
+            <a:ext cx="2495550" cy="3032636"/>
+          </a:xfrm>
+          <a:prstGeom prst="rect">
+            <a:avLst/>
+          </a:prstGeom>
+        </p:spPr>
+      </p:pic>
+      <p:pic>
+        <p:nvPicPr>
+          <p:cNvPr id="7" name="图片 6">
+            <a:extLst>
+              <a:ext uri="{FF2B5EF4-FFF2-40B4-BE49-F238E27FC236}">
+                <a16:creationId xmlns:a16="http://schemas.microsoft.com/office/drawing/2014/main" id="{B7CC12A7-91C7-4FBA-BEC3-74AB6E8C7707}"/>
+              </a:ext>
+            </a:extLst>
+          </p:cNvPr>
+          <p:cNvPicPr>
+            <a:picLocks noChangeAspect="1"/>
+          </p:cNvPicPr>
+          <p:nvPr/>
+        </p:nvPicPr>
+        <p:blipFill>
+          <a:blip r:embed="rId4"/>
+          <a:stretch>
+            <a:fillRect/>
+          </a:stretch>
+        </p:blipFill>
+        <p:spPr>
+          <a:xfrm>
+            <a:off x="391393" y="3171643"/>
+            <a:ext cx="5012151" cy="3549832"/>
+          </a:xfrm>
+          <a:prstGeom prst="rect">
+            <a:avLst/>
+          </a:prstGeom>
+        </p:spPr>
+      </p:pic>
+    </p:spTree>
+    <p:extLst>
+      <p:ext uri="{BB962C8B-B14F-4D97-AF65-F5344CB8AC3E}">
+        <p14:creationId xmlns:p14="http://schemas.microsoft.com/office/powerpoint/2010/main" val="2320821928"/>
       </p:ext>
     </p:extLst>
   </p:cSld>
@@ -10597,6 +11941,35 @@
           </a:fontRef>
         </p:style>
       </p:cxnSp>
+      <p:sp>
+        <p:nvSpPr>
+          <p:cNvPr id="2" name="灯片编号占位符 1">
+            <a:extLst>
+              <a:ext uri="{FF2B5EF4-FFF2-40B4-BE49-F238E27FC236}">
+                <a16:creationId xmlns:a16="http://schemas.microsoft.com/office/drawing/2014/main" id="{2B1DBFAA-CF45-4DA5-99AB-5EA3C6393ECD}"/>
+              </a:ext>
+            </a:extLst>
+          </p:cNvPr>
+          <p:cNvSpPr>
+            <a:spLocks noGrp="1"/>
+          </p:cNvSpPr>
+          <p:nvPr>
+            <p:ph type="sldNum" sz="quarter" idx="12"/>
+          </p:nvPr>
+        </p:nvSpPr>
+        <p:spPr/>
+        <p:txBody>
+          <a:bodyPr/>
+          <a:lstStyle/>
+          <a:p>
+            <a:fld id="{E8537974-604E-4685-945A-91A667536A94}" type="slidenum">
+              <a:rPr lang="zh-CN" altLang="en-US" smtClean="0"/>
+              <a:t>3</a:t>
+            </a:fld>
+            <a:endParaRPr lang="zh-CN" altLang="en-US"/>
+          </a:p>
+        </p:txBody>
+      </p:sp>
     </p:spTree>
     <p:extLst>
       <p:ext uri="{BB962C8B-B14F-4D97-AF65-F5344CB8AC3E}">
@@ -11626,6 +12999,35 @@
           </a:fontRef>
         </p:style>
       </p:cxnSp>
+      <p:sp>
+        <p:nvSpPr>
+          <p:cNvPr id="2" name="灯片编号占位符 1">
+            <a:extLst>
+              <a:ext uri="{FF2B5EF4-FFF2-40B4-BE49-F238E27FC236}">
+                <a16:creationId xmlns:a16="http://schemas.microsoft.com/office/drawing/2014/main" id="{4626C84A-8411-425F-AD73-69B1BF06F1FB}"/>
+              </a:ext>
+            </a:extLst>
+          </p:cNvPr>
+          <p:cNvSpPr>
+            <a:spLocks noGrp="1"/>
+          </p:cNvSpPr>
+          <p:nvPr>
+            <p:ph type="sldNum" sz="quarter" idx="12"/>
+          </p:nvPr>
+        </p:nvSpPr>
+        <p:spPr/>
+        <p:txBody>
+          <a:bodyPr/>
+          <a:lstStyle/>
+          <a:p>
+            <a:fld id="{E8537974-604E-4685-945A-91A667536A94}" type="slidenum">
+              <a:rPr lang="zh-CN" altLang="en-US" smtClean="0"/>
+              <a:t>4</a:t>
+            </a:fld>
+            <a:endParaRPr lang="zh-CN" altLang="en-US"/>
+          </a:p>
+        </p:txBody>
+      </p:sp>
     </p:spTree>
     <p:extLst>
       <p:ext uri="{BB962C8B-B14F-4D97-AF65-F5344CB8AC3E}">
@@ -11715,6 +13117,35 @@
           </a:p>
         </p:txBody>
       </p:sp>
+      <p:sp>
+        <p:nvSpPr>
+          <p:cNvPr id="2" name="灯片编号占位符 1">
+            <a:extLst>
+              <a:ext uri="{FF2B5EF4-FFF2-40B4-BE49-F238E27FC236}">
+                <a16:creationId xmlns:a16="http://schemas.microsoft.com/office/drawing/2014/main" id="{1F87B521-F8C0-453E-904D-C2AFA5AC2AEE}"/>
+              </a:ext>
+            </a:extLst>
+          </p:cNvPr>
+          <p:cNvSpPr>
+            <a:spLocks noGrp="1"/>
+          </p:cNvSpPr>
+          <p:nvPr>
+            <p:ph type="sldNum" sz="quarter" idx="12"/>
+          </p:nvPr>
+        </p:nvSpPr>
+        <p:spPr/>
+        <p:txBody>
+          <a:bodyPr/>
+          <a:lstStyle/>
+          <a:p>
+            <a:fld id="{E8537974-604E-4685-945A-91A667536A94}" type="slidenum">
+              <a:rPr lang="zh-CN" altLang="en-US" smtClean="0"/>
+              <a:t>5</a:t>
+            </a:fld>
+            <a:endParaRPr lang="zh-CN" altLang="en-US"/>
+          </a:p>
+        </p:txBody>
+      </p:sp>
     </p:spTree>
     <p:extLst>
       <p:ext uri="{BB962C8B-B14F-4D97-AF65-F5344CB8AC3E}">
@@ -12526,6 +13957,35 @@
           </a:fontRef>
         </p:style>
       </p:cxnSp>
+      <p:sp>
+        <p:nvSpPr>
+          <p:cNvPr id="2" name="灯片编号占位符 1">
+            <a:extLst>
+              <a:ext uri="{FF2B5EF4-FFF2-40B4-BE49-F238E27FC236}">
+                <a16:creationId xmlns:a16="http://schemas.microsoft.com/office/drawing/2014/main" id="{59AAB398-8BA2-443A-8474-A6CD61243F43}"/>
+              </a:ext>
+            </a:extLst>
+          </p:cNvPr>
+          <p:cNvSpPr>
+            <a:spLocks noGrp="1"/>
+          </p:cNvSpPr>
+          <p:nvPr>
+            <p:ph type="sldNum" sz="quarter" idx="12"/>
+          </p:nvPr>
+        </p:nvSpPr>
+        <p:spPr/>
+        <p:txBody>
+          <a:bodyPr/>
+          <a:lstStyle/>
+          <a:p>
+            <a:fld id="{E8537974-604E-4685-945A-91A667536A94}" type="slidenum">
+              <a:rPr lang="zh-CN" altLang="en-US" smtClean="0"/>
+              <a:t>6</a:t>
+            </a:fld>
+            <a:endParaRPr lang="zh-CN" altLang="en-US"/>
+          </a:p>
+        </p:txBody>
+      </p:sp>
     </p:spTree>
     <p:extLst>
       <p:ext uri="{BB962C8B-B14F-4D97-AF65-F5344CB8AC3E}">
@@ -13847,6 +15307,35 @@
           </a:fontRef>
         </p:style>
       </p:cxnSp>
+      <p:sp>
+        <p:nvSpPr>
+          <p:cNvPr id="3" name="灯片编号占位符 2">
+            <a:extLst>
+              <a:ext uri="{FF2B5EF4-FFF2-40B4-BE49-F238E27FC236}">
+                <a16:creationId xmlns:a16="http://schemas.microsoft.com/office/drawing/2014/main" id="{94D56313-CF19-432C-88BC-2B0FBCE47711}"/>
+              </a:ext>
+            </a:extLst>
+          </p:cNvPr>
+          <p:cNvSpPr>
+            <a:spLocks noGrp="1"/>
+          </p:cNvSpPr>
+          <p:nvPr>
+            <p:ph type="sldNum" sz="quarter" idx="12"/>
+          </p:nvPr>
+        </p:nvSpPr>
+        <p:spPr/>
+        <p:txBody>
+          <a:bodyPr/>
+          <a:lstStyle/>
+          <a:p>
+            <a:fld id="{E8537974-604E-4685-945A-91A667536A94}" type="slidenum">
+              <a:rPr lang="zh-CN" altLang="en-US" smtClean="0"/>
+              <a:t>7</a:t>
+            </a:fld>
+            <a:endParaRPr lang="zh-CN" altLang="en-US"/>
+          </a:p>
+        </p:txBody>
+      </p:sp>
     </p:spTree>
     <p:extLst>
       <p:ext uri="{BB962C8B-B14F-4D97-AF65-F5344CB8AC3E}">
@@ -14523,6 +16012,35 @@
           </a:p>
         </p:txBody>
       </p:sp>
+      <p:sp>
+        <p:nvSpPr>
+          <p:cNvPr id="2" name="灯片编号占位符 1">
+            <a:extLst>
+              <a:ext uri="{FF2B5EF4-FFF2-40B4-BE49-F238E27FC236}">
+                <a16:creationId xmlns:a16="http://schemas.microsoft.com/office/drawing/2014/main" id="{071D1100-BCCB-433F-822A-0796BA86799B}"/>
+              </a:ext>
+            </a:extLst>
+          </p:cNvPr>
+          <p:cNvSpPr>
+            <a:spLocks noGrp="1"/>
+          </p:cNvSpPr>
+          <p:nvPr>
+            <p:ph type="sldNum" sz="quarter" idx="12"/>
+          </p:nvPr>
+        </p:nvSpPr>
+        <p:spPr/>
+        <p:txBody>
+          <a:bodyPr/>
+          <a:lstStyle/>
+          <a:p>
+            <a:fld id="{E8537974-604E-4685-945A-91A667536A94}" type="slidenum">
+              <a:rPr lang="zh-CN" altLang="en-US" smtClean="0"/>
+              <a:t>8</a:t>
+            </a:fld>
+            <a:endParaRPr lang="zh-CN" altLang="en-US"/>
+          </a:p>
+        </p:txBody>
+      </p:sp>
     </p:spTree>
     <p:extLst>
       <p:ext uri="{BB962C8B-B14F-4D97-AF65-F5344CB8AC3E}">
@@ -15339,6 +16857,35 @@
           </a:fontRef>
         </p:style>
       </p:cxnSp>
+      <p:sp>
+        <p:nvSpPr>
+          <p:cNvPr id="2" name="灯片编号占位符 1">
+            <a:extLst>
+              <a:ext uri="{FF2B5EF4-FFF2-40B4-BE49-F238E27FC236}">
+                <a16:creationId xmlns:a16="http://schemas.microsoft.com/office/drawing/2014/main" id="{FD11DA13-7AA3-4EF7-9218-F4AF9CFF49A2}"/>
+              </a:ext>
+            </a:extLst>
+          </p:cNvPr>
+          <p:cNvSpPr>
+            <a:spLocks noGrp="1"/>
+          </p:cNvSpPr>
+          <p:nvPr>
+            <p:ph type="sldNum" sz="quarter" idx="12"/>
+          </p:nvPr>
+        </p:nvSpPr>
+        <p:spPr/>
+        <p:txBody>
+          <a:bodyPr/>
+          <a:lstStyle/>
+          <a:p>
+            <a:fld id="{E8537974-604E-4685-945A-91A667536A94}" type="slidenum">
+              <a:rPr lang="zh-CN" altLang="en-US" smtClean="0"/>
+              <a:t>9</a:t>
+            </a:fld>
+            <a:endParaRPr lang="zh-CN" altLang="en-US"/>
+          </a:p>
+        </p:txBody>
+      </p:sp>
     </p:spTree>
     <p:extLst>
       <p:ext uri="{BB962C8B-B14F-4D97-AF65-F5344CB8AC3E}">
@@ -15645,4 +17192,299 @@
     </a:ext>
   </a:extLst>
 </a:theme>
+</file>
+
+<file path=ppt/theme/theme2.xml><?xml version="1.0" encoding="utf-8"?>
+<a:theme xmlns:a="http://schemas.openxmlformats.org/drawingml/2006/main" name="Office 主题​​">
+  <a:themeElements>
+    <a:clrScheme name="Office">
+      <a:dk1>
+        <a:sysClr val="windowText" lastClr="000000"/>
+      </a:dk1>
+      <a:lt1>
+        <a:sysClr val="window" lastClr="FFFFFF"/>
+      </a:lt1>
+      <a:dk2>
+        <a:srgbClr val="44546A"/>
+      </a:dk2>
+      <a:lt2>
+        <a:srgbClr val="E7E6E6"/>
+      </a:lt2>
+      <a:accent1>
+        <a:srgbClr val="4472C4"/>
+      </a:accent1>
+      <a:accent2>
+        <a:srgbClr val="ED7D31"/>
+      </a:accent2>
+      <a:accent3>
+        <a:srgbClr val="A5A5A5"/>
+      </a:accent3>
+      <a:accent4>
+        <a:srgbClr val="FFC000"/>
+      </a:accent4>
+      <a:accent5>
+        <a:srgbClr val="5B9BD5"/>
+      </a:accent5>
+      <a:accent6>
+        <a:srgbClr val="70AD47"/>
+      </a:accent6>
+      <a:hlink>
+        <a:srgbClr val="0563C1"/>
+      </a:hlink>
+      <a:folHlink>
+        <a:srgbClr val="954F72"/>
+      </a:folHlink>
+    </a:clrScheme>
+    <a:fontScheme name="Office">
+      <a:majorFont>
+        <a:latin typeface="等线 Light" panose="020F0302020204030204"/>
+        <a:ea typeface=""/>
+        <a:cs typeface=""/>
+        <a:font script="Jpan" typeface="游ゴシック Light"/>
+        <a:font script="Hang" typeface="맑은 고딕"/>
+        <a:font script="Hans" typeface="等线 Light"/>
+        <a:font script="Hant" typeface="新細明體"/>
+        <a:font script="Arab" typeface="Times New Roman"/>
+        <a:font script="Hebr" typeface="Times New Roman"/>
+        <a:font script="Thai" typeface="Angsana New"/>
+        <a:font script="Ethi" typeface="Nyala"/>
+        <a:font script="Beng" typeface="Vrinda"/>
+        <a:font script="Gujr" typeface="Shruti"/>
+        <a:font script="Khmr" typeface="MoolBoran"/>
+        <a:font script="Knda" typeface="Tunga"/>
+        <a:font script="Guru" typeface="Raavi"/>
+        <a:font script="Cans" typeface="Euphemia"/>
+        <a:font script="Cher" typeface="Plantagenet Cherokee"/>
+        <a:font script="Yiii" typeface="Microsoft Yi Baiti"/>
+        <a:font script="Tibt" typeface="Microsoft Himalaya"/>
+        <a:font script="Thaa" typeface="MV Boli"/>
+        <a:font script="Deva" typeface="Mangal"/>
+        <a:font script="Telu" typeface="Gautami"/>
+        <a:font script="Taml" typeface="Latha"/>
+        <a:font script="Syrc" typeface="Estrangelo Edessa"/>
+        <a:font script="Orya" typeface="Kalinga"/>
+        <a:font script="Mlym" typeface="Kartika"/>
+        <a:font script="Laoo" typeface="DokChampa"/>
+        <a:font script="Sinh" typeface="Iskoola Pota"/>
+        <a:font script="Mong" typeface="Mongolian Baiti"/>
+        <a:font script="Viet" typeface="Times New Roman"/>
+        <a:font script="Uigh" typeface="Microsoft Uighur"/>
+        <a:font script="Geor" typeface="Sylfaen"/>
+        <a:font script="Armn" typeface="Arial"/>
+        <a:font script="Bugi" typeface="Leelawadee UI"/>
+        <a:font script="Bopo" typeface="Microsoft JhengHei"/>
+        <a:font script="Java" typeface="Javanese Text"/>
+        <a:font script="Lisu" typeface="Segoe UI"/>
+        <a:font script="Mymr" typeface="Myanmar Text"/>
+        <a:font script="Nkoo" typeface="Ebrima"/>
+        <a:font script="Olck" typeface="Nirmala UI"/>
+        <a:font script="Osma" typeface="Ebrima"/>
+        <a:font script="Phag" typeface="Phagspa"/>
+        <a:font script="Syrn" typeface="Estrangelo Edessa"/>
+        <a:font script="Syrj" typeface="Estrangelo Edessa"/>
+        <a:font script="Syre" typeface="Estrangelo Edessa"/>
+        <a:font script="Sora" typeface="Nirmala UI"/>
+        <a:font script="Tale" typeface="Microsoft Tai Le"/>
+        <a:font script="Talu" typeface="Microsoft New Tai Lue"/>
+        <a:font script="Tfng" typeface="Ebrima"/>
+      </a:majorFont>
+      <a:minorFont>
+        <a:latin typeface="等线" panose="020F0502020204030204"/>
+        <a:ea typeface=""/>
+        <a:cs typeface=""/>
+        <a:font script="Jpan" typeface="游ゴシック"/>
+        <a:font script="Hang" typeface="맑은 고딕"/>
+        <a:font script="Hans" typeface="等线"/>
+        <a:font script="Hant" typeface="新細明體"/>
+        <a:font script="Arab" typeface="Arial"/>
+        <a:font script="Hebr" typeface="Arial"/>
+        <a:font script="Thai" typeface="Cordia New"/>
+        <a:font script="Ethi" typeface="Nyala"/>
+        <a:font script="Beng" typeface="Vrinda"/>
+        <a:font script="Gujr" typeface="Shruti"/>
+        <a:font script="Khmr" typeface="DaunPenh"/>
+        <a:font script="Knda" typeface="Tunga"/>
+        <a:font script="Guru" typeface="Raavi"/>
+        <a:font script="Cans" typeface="Euphemia"/>
+        <a:font script="Cher" typeface="Plantagenet Cherokee"/>
+        <a:font script="Yiii" typeface="Microsoft Yi Baiti"/>
+        <a:font script="Tibt" typeface="Microsoft Himalaya"/>
+        <a:font script="Thaa" typeface="MV Boli"/>
+        <a:font script="Deva" typeface="Mangal"/>
+        <a:font script="Telu" typeface="Gautami"/>
+        <a:font script="Taml" typeface="Latha"/>
+        <a:font script="Syrc" typeface="Estrangelo Edessa"/>
+        <a:font script="Orya" typeface="Kalinga"/>
+        <a:font script="Mlym" typeface="Kartika"/>
+        <a:font script="Laoo" typeface="DokChampa"/>
+        <a:font script="Sinh" typeface="Iskoola Pota"/>
+        <a:font script="Mong" typeface="Mongolian Baiti"/>
+        <a:font script="Viet" typeface="Arial"/>
+        <a:font script="Uigh" typeface="Microsoft Uighur"/>
+        <a:font script="Geor" typeface="Sylfaen"/>
+        <a:font script="Armn" typeface="Arial"/>
+        <a:font script="Bugi" typeface="Leelawadee UI"/>
+        <a:font script="Bopo" typeface="Microsoft JhengHei"/>
+        <a:font script="Java" typeface="Javanese Text"/>
+        <a:font script="Lisu" typeface="Segoe UI"/>
+        <a:font script="Mymr" typeface="Myanmar Text"/>
+        <a:font script="Nkoo" typeface="Ebrima"/>
+        <a:font script="Olck" typeface="Nirmala UI"/>
+        <a:font script="Osma" typeface="Ebrima"/>
+        <a:font script="Phag" typeface="Phagspa"/>
+        <a:font script="Syrn" typeface="Estrangelo Edessa"/>
+        <a:font script="Syrj" typeface="Estrangelo Edessa"/>
+        <a:font script="Syre" typeface="Estrangelo Edessa"/>
+        <a:font script="Sora" typeface="Nirmala UI"/>
+        <a:font script="Tale" typeface="Microsoft Tai Le"/>
+        <a:font script="Talu" typeface="Microsoft New Tai Lue"/>
+        <a:font script="Tfng" typeface="Ebrima"/>
+      </a:minorFont>
+    </a:fontScheme>
+    <a:fmtScheme name="Office">
+      <a:fillStyleLst>
+        <a:solidFill>
+          <a:schemeClr val="phClr"/>
+        </a:solidFill>
+        <a:gradFill rotWithShape="1">
+          <a:gsLst>
+            <a:gs pos="0">
+              <a:schemeClr val="phClr">
+                <a:lumMod val="110000"/>
+                <a:satMod val="105000"/>
+                <a:tint val="67000"/>
+              </a:schemeClr>
+            </a:gs>
+            <a:gs pos="50000">
+              <a:schemeClr val="phClr">
+                <a:lumMod val="105000"/>
+                <a:satMod val="103000"/>
+                <a:tint val="73000"/>
+              </a:schemeClr>
+            </a:gs>
+            <a:gs pos="100000">
+              <a:schemeClr val="phClr">
+                <a:lumMod val="105000"/>
+                <a:satMod val="109000"/>
+                <a:tint val="81000"/>
+              </a:schemeClr>
+            </a:gs>
+          </a:gsLst>
+          <a:lin ang="5400000" scaled="0"/>
+        </a:gradFill>
+        <a:gradFill rotWithShape="1">
+          <a:gsLst>
+            <a:gs pos="0">
+              <a:schemeClr val="phClr">
+                <a:satMod val="103000"/>
+                <a:lumMod val="102000"/>
+                <a:tint val="94000"/>
+              </a:schemeClr>
+            </a:gs>
+            <a:gs pos="50000">
+              <a:schemeClr val="phClr">
+                <a:satMod val="110000"/>
+                <a:lumMod val="100000"/>
+                <a:shade val="100000"/>
+              </a:schemeClr>
+            </a:gs>
+            <a:gs pos="100000">
+              <a:schemeClr val="phClr">
+                <a:lumMod val="99000"/>
+                <a:satMod val="120000"/>
+                <a:shade val="78000"/>
+              </a:schemeClr>
+            </a:gs>
+          </a:gsLst>
+          <a:lin ang="5400000" scaled="0"/>
+        </a:gradFill>
+      </a:fillStyleLst>
+      <a:lnStyleLst>
+        <a:ln w="6350" cap="flat" cmpd="sng" algn="ctr">
+          <a:solidFill>
+            <a:schemeClr val="phClr"/>
+          </a:solidFill>
+          <a:prstDash val="solid"/>
+          <a:miter lim="800000"/>
+        </a:ln>
+        <a:ln w="12700" cap="flat" cmpd="sng" algn="ctr">
+          <a:solidFill>
+            <a:schemeClr val="phClr"/>
+          </a:solidFill>
+          <a:prstDash val="solid"/>
+          <a:miter lim="800000"/>
+        </a:ln>
+        <a:ln w="19050" cap="flat" cmpd="sng" algn="ctr">
+          <a:solidFill>
+            <a:schemeClr val="phClr"/>
+          </a:solidFill>
+          <a:prstDash val="solid"/>
+          <a:miter lim="800000"/>
+        </a:ln>
+      </a:lnStyleLst>
+      <a:effectStyleLst>
+        <a:effectStyle>
+          <a:effectLst/>
+        </a:effectStyle>
+        <a:effectStyle>
+          <a:effectLst/>
+        </a:effectStyle>
+        <a:effectStyle>
+          <a:effectLst>
+            <a:outerShdw blurRad="57150" dist="19050" dir="5400000" algn="ctr" rotWithShape="0">
+              <a:srgbClr val="000000">
+                <a:alpha val="63000"/>
+              </a:srgbClr>
+            </a:outerShdw>
+          </a:effectLst>
+        </a:effectStyle>
+      </a:effectStyleLst>
+      <a:bgFillStyleLst>
+        <a:solidFill>
+          <a:schemeClr val="phClr"/>
+        </a:solidFill>
+        <a:solidFill>
+          <a:schemeClr val="phClr">
+            <a:tint val="95000"/>
+            <a:satMod val="170000"/>
+          </a:schemeClr>
+        </a:solidFill>
+        <a:gradFill rotWithShape="1">
+          <a:gsLst>
+            <a:gs pos="0">
+              <a:schemeClr val="phClr">
+                <a:tint val="93000"/>
+                <a:satMod val="150000"/>
+                <a:shade val="98000"/>
+                <a:lumMod val="102000"/>
+              </a:schemeClr>
+            </a:gs>
+            <a:gs pos="50000">
+              <a:schemeClr val="phClr">
+                <a:tint val="98000"/>
+                <a:satMod val="130000"/>
+                <a:shade val="90000"/>
+                <a:lumMod val="103000"/>
+              </a:schemeClr>
+            </a:gs>
+            <a:gs pos="100000">
+              <a:schemeClr val="phClr">
+                <a:shade val="63000"/>
+                <a:satMod val="120000"/>
+              </a:schemeClr>
+            </a:gs>
+          </a:gsLst>
+          <a:lin ang="5400000" scaled="0"/>
+        </a:gradFill>
+      </a:bgFillStyleLst>
+    </a:fmtScheme>
+  </a:themeElements>
+  <a:objectDefaults/>
+  <a:extraClrSchemeLst/>
+  <a:extLst>
+    <a:ext uri="{05A4C25C-085E-4340-85A3-A5531E510DB2}">
+      <thm15:themeFamily xmlns:thm15="http://schemas.microsoft.com/office/thememl/2012/main" name="Office Theme" id="{62F939B6-93AF-4DB8-9C6B-D6C7DFDC589F}" vid="{4A3C46E8-61CC-4603-A589-7422A47A8E4A}"/>
+    </a:ext>
+  </a:extLst>
+</a:theme>
 </file>